--- a/pptx/HelloLT.pptx
+++ b/pptx/HelloLT.pptx
@@ -326,7 +326,7 @@
           <a:p>
             <a:fld id="{B7D443CB-C841-4A89-B2BF-3BDA65EF8F2C}" type="datetimeFigureOut">
               <a:rPr kumimoji="1" lang="ja-JP" altLang="en-US" smtClean="0"/>
-              <a:t>2024/9/25</a:t>
+              <a:t>2024/10/8</a:t>
             </a:fld>
             <a:endParaRPr kumimoji="1" lang="ja-JP" altLang="en-US"/>
           </a:p>
@@ -801,7 +801,7 @@
           <a:p>
             <a:fld id="{128F3D79-F1C4-4B3D-B652-2F6D56D4C28A}" type="datetime1">
               <a:rPr kumimoji="1" lang="ja-JP" altLang="en-US" smtClean="0"/>
-              <a:t>2024/9/25</a:t>
+              <a:t>2024/10/8</a:t>
             </a:fld>
             <a:endParaRPr kumimoji="1" lang="ja-JP" altLang="en-US"/>
           </a:p>
@@ -1093,7 +1093,7 @@
           <a:p>
             <a:fld id="{73CC6598-E8DC-46B3-8A04-E491A2FF635E}" type="datetime1">
               <a:rPr kumimoji="1" lang="ja-JP" altLang="en-US" smtClean="0"/>
-              <a:t>2024/9/25</a:t>
+              <a:t>2024/10/8</a:t>
             </a:fld>
             <a:endParaRPr kumimoji="1" lang="ja-JP" altLang="en-US"/>
           </a:p>
@@ -1327,7 +1327,7 @@
           <a:p>
             <a:fld id="{539043C5-6069-42EB-BE5C-088FB9B01BF4}" type="datetime1">
               <a:rPr kumimoji="1" lang="ja-JP" altLang="en-US" smtClean="0"/>
-              <a:t>2024/9/25</a:t>
+              <a:t>2024/10/8</a:t>
             </a:fld>
             <a:endParaRPr kumimoji="1" lang="ja-JP" altLang="en-US"/>
           </a:p>
@@ -1571,7 +1571,7 @@
           <a:p>
             <a:fld id="{A32D2570-C673-4392-B326-C2FBC9C8BA43}" type="datetime1">
               <a:rPr kumimoji="1" lang="ja-JP" altLang="en-US" smtClean="0"/>
-              <a:t>2024/9/25</a:t>
+              <a:t>2024/10/8</a:t>
             </a:fld>
             <a:endParaRPr kumimoji="1" lang="ja-JP" altLang="en-US"/>
           </a:p>
@@ -1795,7 +1795,7 @@
           <a:p>
             <a:fld id="{1FC96C33-E168-4F58-AD74-8F066C98D717}" type="datetime1">
               <a:rPr kumimoji="1" lang="ja-JP" altLang="en-US" smtClean="0"/>
-              <a:t>2024/9/25</a:t>
+              <a:t>2024/10/8</a:t>
             </a:fld>
             <a:endParaRPr kumimoji="1" lang="ja-JP" altLang="en-US"/>
           </a:p>
@@ -2029,7 +2029,7 @@
           <a:p>
             <a:fld id="{91143114-B6DD-46F3-BC67-0F5DFBBF1E48}" type="datetime1">
               <a:rPr kumimoji="1" lang="ja-JP" altLang="en-US" smtClean="0"/>
-              <a:t>2024/9/25</a:t>
+              <a:t>2024/10/8</a:t>
             </a:fld>
             <a:endParaRPr kumimoji="1" lang="ja-JP" altLang="en-US"/>
           </a:p>
@@ -2308,7 +2308,7 @@
           <a:p>
             <a:fld id="{A52F56B9-3373-4D34-ACAD-298B07352D14}" type="datetime1">
               <a:rPr kumimoji="1" lang="ja-JP" altLang="en-US" smtClean="0"/>
-              <a:t>2024/9/25</a:t>
+              <a:t>2024/10/8</a:t>
             </a:fld>
             <a:endParaRPr kumimoji="1" lang="ja-JP" altLang="en-US"/>
           </a:p>
@@ -2641,7 +2641,7 @@
           <a:p>
             <a:fld id="{B216C6B9-17FA-4089-AF83-119A326C39C1}" type="datetime1">
               <a:rPr kumimoji="1" lang="ja-JP" altLang="en-US" smtClean="0"/>
-              <a:t>2024/9/25</a:t>
+              <a:t>2024/10/8</a:t>
             </a:fld>
             <a:endParaRPr kumimoji="1" lang="ja-JP" altLang="en-US"/>
           </a:p>
@@ -3121,7 +3121,7 @@
           <a:p>
             <a:fld id="{AF894194-A17A-4071-8839-B259705DDCFB}" type="datetime1">
               <a:rPr kumimoji="1" lang="ja-JP" altLang="en-US" smtClean="0"/>
-              <a:t>2024/9/25</a:t>
+              <a:t>2024/10/8</a:t>
             </a:fld>
             <a:endParaRPr kumimoji="1" lang="ja-JP" altLang="en-US"/>
           </a:p>
@@ -3266,7 +3266,7 @@
           <a:p>
             <a:fld id="{AC8FA6D9-2F6C-4F1E-84A2-3836A72BC48A}" type="datetime1">
               <a:rPr kumimoji="1" lang="ja-JP" altLang="en-US" smtClean="0"/>
-              <a:t>2024/9/25</a:t>
+              <a:t>2024/10/8</a:t>
             </a:fld>
             <a:endParaRPr kumimoji="1" lang="ja-JP" altLang="en-US"/>
           </a:p>
@@ -3383,7 +3383,7 @@
           <a:p>
             <a:fld id="{61B36A98-0769-4511-8BAB-7F0ACCA78F04}" type="datetime1">
               <a:rPr kumimoji="1" lang="ja-JP" altLang="en-US" smtClean="0"/>
-              <a:t>2024/9/25</a:t>
+              <a:t>2024/10/8</a:t>
             </a:fld>
             <a:endParaRPr kumimoji="1" lang="ja-JP" altLang="en-US"/>
           </a:p>
@@ -3730,7 +3730,7 @@
           <a:p>
             <a:fld id="{594A2154-D360-43C7-A1E2-2377460CF7A0}" type="datetime1">
               <a:rPr kumimoji="1" lang="ja-JP" altLang="en-US" smtClean="0"/>
-              <a:t>2024/9/25</a:t>
+              <a:t>2024/10/8</a:t>
             </a:fld>
             <a:endParaRPr kumimoji="1" lang="ja-JP" altLang="en-US"/>
           </a:p>
@@ -4010,7 +4010,7 @@
           <a:p>
             <a:fld id="{1F749701-1AA5-4C4F-A654-AB405AB724AC}" type="datetime1">
               <a:rPr kumimoji="1" lang="ja-JP" altLang="en-US" smtClean="0"/>
-              <a:t>2024/9/25</a:t>
+              <a:t>2024/10/8</a:t>
             </a:fld>
             <a:endParaRPr kumimoji="1" lang="ja-JP" altLang="en-US"/>
           </a:p>
@@ -4735,7 +4735,7 @@
           <a:p>
             <a:fld id="{B1B4A9C9-A711-4110-BFF4-4698CF10580D}" type="datetime1">
               <a:rPr kumimoji="1" lang="ja-JP" altLang="en-US" smtClean="0"/>
-              <a:t>2024/9/25</a:t>
+              <a:t>2024/10/8</a:t>
             </a:fld>
             <a:endParaRPr kumimoji="1" lang="ja-JP" altLang="en-US"/>
           </a:p>
@@ -4972,7 +4972,7 @@
           <a:p>
             <a:fld id="{058902F7-2918-4000-8469-72444FCCE8FA}" type="datetime1">
               <a:rPr kumimoji="1" lang="ja-JP" altLang="en-US" smtClean="0"/>
-              <a:t>2024/9/25</a:t>
+              <a:t>2024/10/8</a:t>
             </a:fld>
             <a:endParaRPr kumimoji="1" lang="ja-JP" altLang="en-US"/>
           </a:p>
@@ -5395,7 +5395,7 @@
           <a:p>
             <a:fld id="{E1913F5A-B6F3-4314-B865-7658DD358CAC}" type="datetime1">
               <a:rPr kumimoji="1" lang="ja-JP" altLang="en-US" smtClean="0"/>
-              <a:t>2024/9/25</a:t>
+              <a:t>2024/10/8</a:t>
             </a:fld>
             <a:endParaRPr kumimoji="1" lang="ja-JP" altLang="en-US"/>
           </a:p>
@@ -6411,7 +6411,7 @@
           <a:p>
             <a:fld id="{F18B65BA-848C-4E11-8212-D608E69A4683}" type="datetime1">
               <a:rPr kumimoji="1" lang="ja-JP" altLang="en-US" smtClean="0"/>
-              <a:t>2024/9/25</a:t>
+              <a:t>2024/10/8</a:t>
             </a:fld>
             <a:endParaRPr kumimoji="1" lang="ja-JP" altLang="en-US"/>
           </a:p>
@@ -6899,7 +6899,7 @@
           <a:p>
             <a:fld id="{F7F2A5C2-0DDE-49F5-84C9-65FAB8CFBACD}" type="datetime1">
               <a:rPr kumimoji="1" lang="ja-JP" altLang="en-US" smtClean="0"/>
-              <a:t>2024/9/25</a:t>
+              <a:t>2024/10/8</a:t>
             </a:fld>
             <a:endParaRPr kumimoji="1" lang="ja-JP" altLang="en-US"/>
           </a:p>
@@ -7094,7 +7094,7 @@
           <a:p>
             <a:fld id="{8AE3F457-9109-4930-A7F3-E141F46FC0E6}" type="datetime1">
               <a:rPr kumimoji="1" lang="ja-JP" altLang="en-US" smtClean="0"/>
-              <a:t>2024/9/25</a:t>
+              <a:t>2024/10/8</a:t>
             </a:fld>
             <a:endParaRPr kumimoji="1" lang="ja-JP" altLang="en-US"/>
           </a:p>
@@ -7757,7 +7757,7 @@
           <a:p>
             <a:fld id="{3D8E0C7C-D7F2-4103-B7BD-2AE11C49FDE4}" type="datetime1">
               <a:rPr kumimoji="1" lang="ja-JP" altLang="en-US" smtClean="0"/>
-              <a:t>2024/9/25</a:t>
+              <a:t>2024/10/8</a:t>
             </a:fld>
             <a:endParaRPr kumimoji="1" lang="ja-JP" altLang="en-US"/>
           </a:p>
@@ -7940,7 +7940,7 @@
           <a:p>
             <a:fld id="{058902F7-2918-4000-8469-72444FCCE8FA}" type="datetime1">
               <a:rPr kumimoji="1" lang="ja-JP" altLang="en-US" smtClean="0"/>
-              <a:t>2024/9/25</a:t>
+              <a:t>2024/10/8</a:t>
             </a:fld>
             <a:endParaRPr kumimoji="1" lang="ja-JP" altLang="en-US"/>
           </a:p>
@@ -8291,7 +8291,7 @@
           <a:p>
             <a:fld id="{058902F7-2918-4000-8469-72444FCCE8FA}" type="datetime1">
               <a:rPr kumimoji="1" lang="ja-JP" altLang="en-US" smtClean="0"/>
-              <a:t>2024/9/25</a:t>
+              <a:t>2024/10/8</a:t>
             </a:fld>
             <a:endParaRPr kumimoji="1" lang="ja-JP" altLang="en-US"/>
           </a:p>
@@ -8705,7 +8705,7 @@
           <a:p>
             <a:fld id="{058902F7-2918-4000-8469-72444FCCE8FA}" type="datetime1">
               <a:rPr kumimoji="1" lang="ja-JP" altLang="en-US" smtClean="0"/>
-              <a:t>2024/9/25</a:t>
+              <a:t>2024/10/8</a:t>
             </a:fld>
             <a:endParaRPr kumimoji="1" lang="ja-JP" altLang="en-US"/>
           </a:p>
@@ -9124,7 +9124,7 @@
           <a:p>
             <a:fld id="{058902F7-2918-4000-8469-72444FCCE8FA}" type="datetime1">
               <a:rPr kumimoji="1" lang="ja-JP" altLang="en-US" smtClean="0"/>
-              <a:t>2024/9/25</a:t>
+              <a:t>2024/10/8</a:t>
             </a:fld>
             <a:endParaRPr kumimoji="1" lang="ja-JP" altLang="en-US"/>
           </a:p>
